--- a/UNDER DEVELOPMENT/OPAR Version 2/JESTER/SYTGT025_TARTUS_VEHICLE_FACTORY.pptx
+++ b/UNDER DEVELOPMENT/OPAR Version 2/JESTER/SYTGT025_TARTUS_VEHICLE_FACTORY.pptx
@@ -109,7 +109,7 @@
   </p:defaultTextStyle>
   <p:extLst>
     <p:ext uri="{EFAFB233-063F-42B5-8137-9DF3F51BA10A}">
-      <p15:sldGuideLst xmlns:p15="http://schemas.microsoft.com/office/powerpoint/2012/main">
+      <p15:sldGuideLst xmlns:p15="http://schemas.microsoft.com/office/powerpoint/2012/main" xmlns="">
         <p15:guide id="1" orient="horz" pos="1620">
           <p15:clr>
             <a:srgbClr val="A4A3A4"/>
@@ -209,7 +209,7 @@
             <a:fld id="{40637A30-8EE1-4060-9976-8832FC89EE34}" type="datetimeFigureOut">
               <a:rPr lang="nb-NO" smtClean="0"/>
               <a:pPr/>
-              <a:t>02.01.2022</a:t>
+              <a:t>09.06.2022</a:t>
             </a:fld>
             <a:endParaRPr lang="nb-NO"/>
           </a:p>
@@ -3617,7 +3617,7 @@
           <p:cNvPr id="9" name="Picture 8" descr="A picture containing building, old, ruin&#10;&#10;Description automatically generated">
             <a:extLst>
               <a:ext uri="{FF2B5EF4-FFF2-40B4-BE49-F238E27FC236}">
-                <a16:creationId xmlns:a16="http://schemas.microsoft.com/office/drawing/2014/main" id="{FBAB3FCF-7BBC-42E9-AD8F-1591C5558F88}"/>
+                <a16:creationId xmlns:a16="http://schemas.microsoft.com/office/drawing/2014/main" xmlns="" id="{FBAB3FCF-7BBC-42E9-AD8F-1591C5558F88}"/>
               </a:ext>
             </a:extLst>
           </p:cNvPr>
@@ -3630,7 +3630,7 @@
           <a:blip r:embed="rId2" cstate="print">
             <a:extLst>
               <a:ext uri="{28A0092B-C50C-407E-A947-70E740481C1C}">
-                <a14:useLocalDpi xmlns:a14="http://schemas.microsoft.com/office/drawing/2010/main" val="0"/>
+                <a14:useLocalDpi xmlns:a14="http://schemas.microsoft.com/office/drawing/2010/main" xmlns="" val="0"/>
               </a:ext>
             </a:extLst>
           </a:blip>
@@ -3652,7 +3652,7 @@
           <p:cNvPr id="13" name="Freeform: Shape 12">
             <a:extLst>
               <a:ext uri="{FF2B5EF4-FFF2-40B4-BE49-F238E27FC236}">
-                <a16:creationId xmlns:a16="http://schemas.microsoft.com/office/drawing/2014/main" id="{9788F128-8F81-408E-9430-907BE760A14F}"/>
+                <a16:creationId xmlns:a16="http://schemas.microsoft.com/office/drawing/2014/main" xmlns="" id="{9788F128-8F81-408E-9430-907BE760A14F}"/>
               </a:ext>
             </a:extLst>
           </p:cNvPr>
@@ -4743,7 +4743,7 @@
           <p:cNvPr id="15" name="Isosceles Triangle 14">
             <a:extLst>
               <a:ext uri="{FF2B5EF4-FFF2-40B4-BE49-F238E27FC236}">
-                <a16:creationId xmlns:a16="http://schemas.microsoft.com/office/drawing/2014/main" id="{AF3F2774-7C68-4561-B73E-90857D1EC98F}"/>
+                <a16:creationId xmlns:a16="http://schemas.microsoft.com/office/drawing/2014/main" xmlns="" id="{AF3F2774-7C68-4561-B73E-90857D1EC98F}"/>
               </a:ext>
             </a:extLst>
           </p:cNvPr>
@@ -4799,7 +4799,7 @@
           <p:cNvPr id="16" name="Isosceles Triangle 15">
             <a:extLst>
               <a:ext uri="{FF2B5EF4-FFF2-40B4-BE49-F238E27FC236}">
-                <a16:creationId xmlns:a16="http://schemas.microsoft.com/office/drawing/2014/main" id="{FD7F26CD-AA6C-49F1-9091-6D577DD5BC7C}"/>
+                <a16:creationId xmlns:a16="http://schemas.microsoft.com/office/drawing/2014/main" xmlns="" id="{FD7F26CD-AA6C-49F1-9091-6D577DD5BC7C}"/>
               </a:ext>
             </a:extLst>
           </p:cNvPr>
@@ -4855,7 +4855,7 @@
           <p:cNvPr id="17" name="Isosceles Triangle 16">
             <a:extLst>
               <a:ext uri="{FF2B5EF4-FFF2-40B4-BE49-F238E27FC236}">
-                <a16:creationId xmlns:a16="http://schemas.microsoft.com/office/drawing/2014/main" id="{E2413741-C80D-4457-813C-24852A4FBE98}"/>
+                <a16:creationId xmlns:a16="http://schemas.microsoft.com/office/drawing/2014/main" xmlns="" id="{E2413741-C80D-4457-813C-24852A4FBE98}"/>
               </a:ext>
             </a:extLst>
           </p:cNvPr>
@@ -4911,7 +4911,7 @@
           <p:cNvPr id="18" name="Isosceles Triangle 17">
             <a:extLst>
               <a:ext uri="{FF2B5EF4-FFF2-40B4-BE49-F238E27FC236}">
-                <a16:creationId xmlns:a16="http://schemas.microsoft.com/office/drawing/2014/main" id="{E623DE1E-DFD6-442A-AF55-52B032D8BDC3}"/>
+                <a16:creationId xmlns:a16="http://schemas.microsoft.com/office/drawing/2014/main" xmlns="" id="{E623DE1E-DFD6-442A-AF55-52B032D8BDC3}"/>
               </a:ext>
             </a:extLst>
           </p:cNvPr>
@@ -4967,7 +4967,7 @@
           <p:cNvPr id="19" name="Isosceles Triangle 18">
             <a:extLst>
               <a:ext uri="{FF2B5EF4-FFF2-40B4-BE49-F238E27FC236}">
-                <a16:creationId xmlns:a16="http://schemas.microsoft.com/office/drawing/2014/main" id="{B666EC4B-CA7E-4E09-A6C4-017348108095}"/>
+                <a16:creationId xmlns:a16="http://schemas.microsoft.com/office/drawing/2014/main" xmlns="" id="{B666EC4B-CA7E-4E09-A6C4-017348108095}"/>
               </a:ext>
             </a:extLst>
           </p:cNvPr>
@@ -5023,7 +5023,7 @@
           <p:cNvPr id="20" name="Isosceles Triangle 19">
             <a:extLst>
               <a:ext uri="{FF2B5EF4-FFF2-40B4-BE49-F238E27FC236}">
-                <a16:creationId xmlns:a16="http://schemas.microsoft.com/office/drawing/2014/main" id="{4D6C59B6-B5CF-482B-B606-3A83A1278268}"/>
+                <a16:creationId xmlns:a16="http://schemas.microsoft.com/office/drawing/2014/main" xmlns="" id="{4D6C59B6-B5CF-482B-B606-3A83A1278268}"/>
               </a:ext>
             </a:extLst>
           </p:cNvPr>
@@ -5079,7 +5079,7 @@
           <p:cNvPr id="21" name="Isosceles Triangle 20">
             <a:extLst>
               <a:ext uri="{FF2B5EF4-FFF2-40B4-BE49-F238E27FC236}">
-                <a16:creationId xmlns:a16="http://schemas.microsoft.com/office/drawing/2014/main" id="{C299F3D5-4812-4A36-B949-4EC627B874CC}"/>
+                <a16:creationId xmlns:a16="http://schemas.microsoft.com/office/drawing/2014/main" xmlns="" id="{C299F3D5-4812-4A36-B949-4EC627B874CC}"/>
               </a:ext>
             </a:extLst>
           </p:cNvPr>
@@ -5135,7 +5135,7 @@
           <p:cNvPr id="22" name="Isosceles Triangle 21">
             <a:extLst>
               <a:ext uri="{FF2B5EF4-FFF2-40B4-BE49-F238E27FC236}">
-                <a16:creationId xmlns:a16="http://schemas.microsoft.com/office/drawing/2014/main" id="{91BCF1A7-7196-459A-82B2-D75D2408B871}"/>
+                <a16:creationId xmlns:a16="http://schemas.microsoft.com/office/drawing/2014/main" xmlns="" id="{91BCF1A7-7196-459A-82B2-D75D2408B871}"/>
               </a:ext>
             </a:extLst>
           </p:cNvPr>
@@ -5191,7 +5191,7 @@
           <p:cNvPr id="10" name="TextBox 9">
             <a:extLst>
               <a:ext uri="{FF2B5EF4-FFF2-40B4-BE49-F238E27FC236}">
-                <a16:creationId xmlns:a16="http://schemas.microsoft.com/office/drawing/2014/main" id="{3B8FCC4D-55A3-4A04-821D-A2D3CD11E6E6}"/>
+                <a16:creationId xmlns:a16="http://schemas.microsoft.com/office/drawing/2014/main" xmlns="" id="{3B8FCC4D-55A3-4A04-821D-A2D3CD11E6E6}"/>
               </a:ext>
             </a:extLst>
           </p:cNvPr>
@@ -5235,7 +5235,7 @@
           <p:cNvPr id="24" name="TextBox 23">
             <a:extLst>
               <a:ext uri="{FF2B5EF4-FFF2-40B4-BE49-F238E27FC236}">
-                <a16:creationId xmlns:a16="http://schemas.microsoft.com/office/drawing/2014/main" id="{66DF0B4E-C32D-4BE5-B2A4-284A7D428763}"/>
+                <a16:creationId xmlns:a16="http://schemas.microsoft.com/office/drawing/2014/main" xmlns="" id="{66DF0B4E-C32D-4BE5-B2A4-284A7D428763}"/>
               </a:ext>
             </a:extLst>
           </p:cNvPr>
@@ -5279,7 +5279,7 @@
           <p:cNvPr id="25" name="TextBox 24">
             <a:extLst>
               <a:ext uri="{FF2B5EF4-FFF2-40B4-BE49-F238E27FC236}">
-                <a16:creationId xmlns:a16="http://schemas.microsoft.com/office/drawing/2014/main" id="{3C786E73-1BC5-4ACF-840B-790F46FCD93C}"/>
+                <a16:creationId xmlns:a16="http://schemas.microsoft.com/office/drawing/2014/main" xmlns="" id="{3C786E73-1BC5-4ACF-840B-790F46FCD93C}"/>
               </a:ext>
             </a:extLst>
           </p:cNvPr>
@@ -5323,7 +5323,7 @@
           <p:cNvPr id="26" name="TextBox 25">
             <a:extLst>
               <a:ext uri="{FF2B5EF4-FFF2-40B4-BE49-F238E27FC236}">
-                <a16:creationId xmlns:a16="http://schemas.microsoft.com/office/drawing/2014/main" id="{E7080AAB-FD8D-4DD5-AF21-62E36B2B2FB2}"/>
+                <a16:creationId xmlns:a16="http://schemas.microsoft.com/office/drawing/2014/main" xmlns="" id="{E7080AAB-FD8D-4DD5-AF21-62E36B2B2FB2}"/>
               </a:ext>
             </a:extLst>
           </p:cNvPr>
@@ -5367,7 +5367,7 @@
           <p:cNvPr id="27" name="TextBox 26">
             <a:extLst>
               <a:ext uri="{FF2B5EF4-FFF2-40B4-BE49-F238E27FC236}">
-                <a16:creationId xmlns:a16="http://schemas.microsoft.com/office/drawing/2014/main" id="{A84F34C6-C856-4F2C-AD61-AD14D496C6FA}"/>
+                <a16:creationId xmlns:a16="http://schemas.microsoft.com/office/drawing/2014/main" xmlns="" id="{A84F34C6-C856-4F2C-AD61-AD14D496C6FA}"/>
               </a:ext>
             </a:extLst>
           </p:cNvPr>
@@ -5411,7 +5411,7 @@
           <p:cNvPr id="28" name="TextBox 27">
             <a:extLst>
               <a:ext uri="{FF2B5EF4-FFF2-40B4-BE49-F238E27FC236}">
-                <a16:creationId xmlns:a16="http://schemas.microsoft.com/office/drawing/2014/main" id="{93871572-5DCA-41BD-8FD0-ED80FEBFBDF2}"/>
+                <a16:creationId xmlns:a16="http://schemas.microsoft.com/office/drawing/2014/main" xmlns="" id="{93871572-5DCA-41BD-8FD0-ED80FEBFBDF2}"/>
               </a:ext>
             </a:extLst>
           </p:cNvPr>
@@ -5455,7 +5455,7 @@
           <p:cNvPr id="29" name="TextBox 28">
             <a:extLst>
               <a:ext uri="{FF2B5EF4-FFF2-40B4-BE49-F238E27FC236}">
-                <a16:creationId xmlns:a16="http://schemas.microsoft.com/office/drawing/2014/main" id="{2F1CC406-D8C9-4EF5-8492-1A85523C5A9B}"/>
+                <a16:creationId xmlns:a16="http://schemas.microsoft.com/office/drawing/2014/main" xmlns="" id="{2F1CC406-D8C9-4EF5-8492-1A85523C5A9B}"/>
               </a:ext>
             </a:extLst>
           </p:cNvPr>
@@ -5499,7 +5499,7 @@
           <p:cNvPr id="30" name="TextBox 29">
             <a:extLst>
               <a:ext uri="{FF2B5EF4-FFF2-40B4-BE49-F238E27FC236}">
-                <a16:creationId xmlns:a16="http://schemas.microsoft.com/office/drawing/2014/main" id="{A18B5740-3AA3-482F-9627-860EAFB2497B}"/>
+                <a16:creationId xmlns:a16="http://schemas.microsoft.com/office/drawing/2014/main" xmlns="" id="{A18B5740-3AA3-482F-9627-860EAFB2497B}"/>
               </a:ext>
             </a:extLst>
           </p:cNvPr>
@@ -5543,7 +5543,7 @@
           <p:cNvPr id="11" name="Freeform: Shape 10">
             <a:extLst>
               <a:ext uri="{FF2B5EF4-FFF2-40B4-BE49-F238E27FC236}">
-                <a16:creationId xmlns:a16="http://schemas.microsoft.com/office/drawing/2014/main" id="{9F1D594F-0A57-42D3-9285-DC1FD897AEF1}"/>
+                <a16:creationId xmlns:a16="http://schemas.microsoft.com/office/drawing/2014/main" xmlns="" id="{9F1D594F-0A57-42D3-9285-DC1FD897AEF1}"/>
               </a:ext>
             </a:extLst>
           </p:cNvPr>
@@ -5696,7 +5696,7 @@
           <p:cNvPr id="12" name="Freeform: Shape 11">
             <a:extLst>
               <a:ext uri="{FF2B5EF4-FFF2-40B4-BE49-F238E27FC236}">
-                <a16:creationId xmlns:a16="http://schemas.microsoft.com/office/drawing/2014/main" id="{B41804C3-97EE-43F8-95B2-0E1234FE612A}"/>
+                <a16:creationId xmlns:a16="http://schemas.microsoft.com/office/drawing/2014/main" xmlns="" id="{B41804C3-97EE-43F8-95B2-0E1234FE612A}"/>
               </a:ext>
             </a:extLst>
           </p:cNvPr>
@@ -5815,7 +5815,7 @@
           <p:cNvPr id="23" name="Freeform: Shape 22">
             <a:extLst>
               <a:ext uri="{FF2B5EF4-FFF2-40B4-BE49-F238E27FC236}">
-                <a16:creationId xmlns:a16="http://schemas.microsoft.com/office/drawing/2014/main" id="{2E9CAFBE-017D-4CFE-8B8B-305E4E532028}"/>
+                <a16:creationId xmlns:a16="http://schemas.microsoft.com/office/drawing/2014/main" xmlns="" id="{2E9CAFBE-017D-4CFE-8B8B-305E4E532028}"/>
               </a:ext>
             </a:extLst>
           </p:cNvPr>
@@ -5932,7 +5932,7 @@
           <p:cNvPr id="32" name="Freeform: Shape 31">
             <a:extLst>
               <a:ext uri="{FF2B5EF4-FFF2-40B4-BE49-F238E27FC236}">
-                <a16:creationId xmlns:a16="http://schemas.microsoft.com/office/drawing/2014/main" id="{3E9ECDA3-9159-4E3B-A22F-32B25E48FC89}"/>
+                <a16:creationId xmlns:a16="http://schemas.microsoft.com/office/drawing/2014/main" xmlns="" id="{3E9ECDA3-9159-4E3B-A22F-32B25E48FC89}"/>
               </a:ext>
             </a:extLst>
           </p:cNvPr>
@@ -6047,7 +6047,7 @@
     </p:spTree>
     <p:extLst>
       <p:ext uri="{BB962C8B-B14F-4D97-AF65-F5344CB8AC3E}">
-        <p14:creationId xmlns:p14="http://schemas.microsoft.com/office/powerpoint/2010/main" val="49096620"/>
+        <p14:creationId xmlns:p14="http://schemas.microsoft.com/office/powerpoint/2010/main" xmlns="" val="49096620"/>
       </p:ext>
     </p:extLst>
   </p:cSld>
